--- a/RECAP.pptx
+++ b/RECAP.pptx
@@ -2117,6 +2117,90 @@
     <p:extLst>
       <p:ext uri="{BB962C8B-B14F-4D97-AF65-F5344CB8AC3E}">
         <p14:creationId xmlns:p14="http://schemas.microsoft.com/office/powerpoint/2010/main" val="1766504201"/>
+      </p:ext>
+    </p:extLst>
+  </p:cSld>
+  <p:clrMapOvr>
+    <a:masterClrMapping/>
+  </p:clrMapOvr>
+</p:notes>
+</file>
+
+<file path=ppt/notesSlides/notesSlide7.xml><?xml version="1.0" encoding="utf-8"?>
+<p:notes xmlns:a="http://schemas.openxmlformats.org/drawingml/2006/main" xmlns:r="http://schemas.openxmlformats.org/officeDocument/2006/relationships" xmlns:p="http://schemas.openxmlformats.org/presentationml/2006/main">
+  <p:cSld>
+    <p:spTree>
+      <p:nvGrpSpPr>
+        <p:cNvPr id="1" name=""/>
+        <p:cNvGrpSpPr/>
+        <p:nvPr/>
+      </p:nvGrpSpPr>
+      <p:grpSpPr>
+        <a:xfrm>
+          <a:off x="0" y="0"/>
+          <a:ext cx="0" cy="0"/>
+          <a:chOff x="0" y="0"/>
+          <a:chExt cx="0" cy="0"/>
+        </a:xfrm>
+      </p:grpSpPr>
+      <p:sp>
+        <p:nvSpPr>
+          <p:cNvPr id="2" name="Folienbildplatzhalter 1"/>
+          <p:cNvSpPr>
+            <a:spLocks noGrp="1" noRot="1" noChangeAspect="1"/>
+          </p:cNvSpPr>
+          <p:nvPr>
+            <p:ph type="sldImg"/>
+          </p:nvPr>
+        </p:nvSpPr>
+        <p:spPr/>
+      </p:sp>
+      <p:sp>
+        <p:nvSpPr>
+          <p:cNvPr id="3" name="Notizenplatzhalter 2"/>
+          <p:cNvSpPr>
+            <a:spLocks noGrp="1"/>
+          </p:cNvSpPr>
+          <p:nvPr>
+            <p:ph type="body" idx="1"/>
+          </p:nvPr>
+        </p:nvSpPr>
+        <p:spPr/>
+        <p:txBody>
+          <a:bodyPr/>
+          <a:lstStyle/>
+          <a:p>
+            <a:endParaRPr lang="de-CH" baseline="0" dirty="0" smtClean="0"/>
+          </a:p>
+        </p:txBody>
+      </p:sp>
+      <p:sp>
+        <p:nvSpPr>
+          <p:cNvPr id="4" name="Foliennummernplatzhalter 3"/>
+          <p:cNvSpPr>
+            <a:spLocks noGrp="1"/>
+          </p:cNvSpPr>
+          <p:nvPr>
+            <p:ph type="sldNum" sz="quarter" idx="10"/>
+          </p:nvPr>
+        </p:nvSpPr>
+        <p:spPr/>
+        <p:txBody>
+          <a:bodyPr/>
+          <a:lstStyle/>
+          <a:p>
+            <a:fld id="{0E4A4668-A9A2-4DF8-8D7F-FF1880A060EE}" type="slidenum">
+              <a:rPr lang="de-CH" smtClean="0"/>
+              <a:t>7</a:t>
+            </a:fld>
+            <a:endParaRPr lang="de-CH"/>
+          </a:p>
+        </p:txBody>
+      </p:sp>
+    </p:spTree>
+    <p:extLst>
+      <p:ext uri="{BB962C8B-B14F-4D97-AF65-F5344CB8AC3E}">
+        <p14:creationId xmlns:p14="http://schemas.microsoft.com/office/powerpoint/2010/main" val="3177003082"/>
       </p:ext>
     </p:extLst>
   </p:cSld>
@@ -5370,11 +5454,7 @@
             </a:r>
             <a:r>
               <a:rPr lang="de-CH" sz="2800" dirty="0" smtClean="0"/>
-              <a:t>/</a:t>
-            </a:r>
-            <a:r>
-              <a:rPr lang="de-CH" sz="2800" dirty="0" smtClean="0"/>
-              <a:t>KL25Z</a:t>
+              <a:t>/KL25Z</a:t>
             </a:r>
           </a:p>
           <a:p>
@@ -5386,7 +5466,6 @@
               <a:rPr lang="de-CH" sz="2800" dirty="0" smtClean="0"/>
               <a:t>Quiz</a:t>
             </a:r>
-            <a:endParaRPr lang="de-CH" sz="2800" dirty="0" smtClean="0"/>
           </a:p>
           <a:p>
             <a:pPr marL="342900" indent="-342900">
@@ -5430,13 +5509,13 @@
   <p:clrMapOvr>
     <a:masterClrMapping/>
   </p:clrMapOvr>
-  <mc:AlternateContent xmlns:mc="http://schemas.openxmlformats.org/markup-compatibility/2006">
-    <mc:Choice xmlns:p14="http://schemas.microsoft.com/office/powerpoint/2010/main" Requires="p14">
+  <mc:AlternateContent xmlns:mc="http://schemas.openxmlformats.org/markup-compatibility/2006" xmlns:p14="http://schemas.microsoft.com/office/powerpoint/2010/main">
+    <mc:Choice Requires="p14">
       <p:transition spd="med" p14:dur="700">
         <p:fade/>
       </p:transition>
     </mc:Choice>
-    <mc:Fallback>
+    <mc:Fallback xmlns="">
       <p:transition spd="med">
         <p:fade/>
       </p:transition>
@@ -5694,13 +5773,13 @@
   <p:clrMapOvr>
     <a:masterClrMapping/>
   </p:clrMapOvr>
-  <mc:AlternateContent xmlns:mc="http://schemas.openxmlformats.org/markup-compatibility/2006">
-    <mc:Choice xmlns:p14="http://schemas.microsoft.com/office/powerpoint/2010/main" Requires="p14">
+  <mc:AlternateContent xmlns:mc="http://schemas.openxmlformats.org/markup-compatibility/2006" xmlns:p14="http://schemas.microsoft.com/office/powerpoint/2010/main">
+    <mc:Choice Requires="p14">
       <p:transition spd="med" p14:dur="700">
         <p:fade/>
       </p:transition>
     </mc:Choice>
-    <mc:Fallback>
+    <mc:Fallback xmlns="">
       <p:transition spd="med">
         <p:fade/>
       </p:transition>
@@ -6157,13 +6236,13 @@
   <p:clrMapOvr>
     <a:masterClrMapping/>
   </p:clrMapOvr>
-  <mc:AlternateContent xmlns:mc="http://schemas.openxmlformats.org/markup-compatibility/2006">
-    <mc:Choice xmlns:p14="http://schemas.microsoft.com/office/powerpoint/2010/main" Requires="p14">
+  <mc:AlternateContent xmlns:mc="http://schemas.openxmlformats.org/markup-compatibility/2006" xmlns:p14="http://schemas.microsoft.com/office/powerpoint/2010/main">
+    <mc:Choice Requires="p14">
       <p:transition spd="med" p14:dur="700">
         <p:fade/>
       </p:transition>
     </mc:Choice>
-    <mc:Fallback>
+    <mc:Fallback xmlns="">
       <p:transition spd="med">
         <p:fade/>
       </p:transition>
@@ -6614,13 +6693,13 @@
   <p:clrMapOvr>
     <a:masterClrMapping/>
   </p:clrMapOvr>
-  <mc:AlternateContent xmlns:mc="http://schemas.openxmlformats.org/markup-compatibility/2006">
-    <mc:Choice xmlns:p14="http://schemas.microsoft.com/office/powerpoint/2010/main" Requires="p14">
+  <mc:AlternateContent xmlns:mc="http://schemas.openxmlformats.org/markup-compatibility/2006" xmlns:p14="http://schemas.microsoft.com/office/powerpoint/2010/main">
+    <mc:Choice Requires="p14">
       <p:transition spd="med" p14:dur="700">
         <p:fade/>
       </p:transition>
     </mc:Choice>
-    <mc:Fallback>
+    <mc:Fallback xmlns="">
       <p:transition spd="med">
         <p:fade/>
       </p:transition>
@@ -7384,13 +7463,13 @@
   <p:clrMapOvr>
     <a:masterClrMapping/>
   </p:clrMapOvr>
-  <mc:AlternateContent xmlns:mc="http://schemas.openxmlformats.org/markup-compatibility/2006">
-    <mc:Choice xmlns:p14="http://schemas.microsoft.com/office/powerpoint/2010/main" Requires="p14">
+  <mc:AlternateContent xmlns:mc="http://schemas.openxmlformats.org/markup-compatibility/2006" xmlns:p14="http://schemas.microsoft.com/office/powerpoint/2010/main">
+    <mc:Choice Requires="p14">
       <p:transition spd="med" p14:dur="700">
         <p:fade/>
       </p:transition>
     </mc:Choice>
-    <mc:Fallback>
+    <mc:Fallback xmlns="">
       <p:transition spd="med">
         <p:fade/>
       </p:transition>
@@ -7798,13 +7877,13 @@
   <p:clrMapOvr>
     <a:masterClrMapping/>
   </p:clrMapOvr>
-  <mc:AlternateContent xmlns:mc="http://schemas.openxmlformats.org/markup-compatibility/2006">
-    <mc:Choice xmlns:p14="http://schemas.microsoft.com/office/powerpoint/2010/main" Requires="p14">
+  <mc:AlternateContent xmlns:mc="http://schemas.openxmlformats.org/markup-compatibility/2006" xmlns:p14="http://schemas.microsoft.com/office/powerpoint/2010/main">
+    <mc:Choice Requires="p14">
       <p:transition spd="med" p14:dur="700">
         <p:fade/>
       </p:transition>
     </mc:Choice>
-    <mc:Fallback>
+    <mc:Fallback xmlns="">
       <p:transition spd="med">
         <p:fade/>
       </p:transition>
@@ -7878,9 +7957,16 @@
             <p:ph idx="1"/>
           </p:nvPr>
         </p:nvSpPr>
-        <p:spPr/>
-        <p:txBody>
-          <a:bodyPr/>
+        <p:spPr>
+          <a:xfrm>
+            <a:off x="838200" y="1599846"/>
+            <a:ext cx="10515600" cy="4631619"/>
+          </a:xfrm>
+        </p:spPr>
+        <p:txBody>
+          <a:bodyPr>
+            <a:normAutofit/>
+          </a:bodyPr>
           <a:lstStyle/>
           <a:p>
             <a:endParaRPr lang="de-CH" dirty="0"/>

--- a/RECAP.pptx
+++ b/RECAP.pptx
@@ -2170,6 +2170,280 @@
           <a:bodyPr/>
           <a:lstStyle/>
           <a:p>
+            <a:r>
+              <a:rPr lang="de-CH" dirty="0" smtClean="0"/>
+              <a:t>-Version Control System</a:t>
+            </a:r>
+          </a:p>
+          <a:p>
+            <a:endParaRPr lang="de-CH" dirty="0" smtClean="0"/>
+          </a:p>
+          <a:p>
+            <a:r>
+              <a:rPr lang="de-CH" dirty="0" smtClean="0"/>
+              <a:t>-</a:t>
+            </a:r>
+            <a:r>
+              <a:rPr lang="de-CH" dirty="0" err="1" smtClean="0"/>
+              <a:t>Several</a:t>
+            </a:r>
+            <a:r>
+              <a:rPr lang="de-CH" dirty="0" smtClean="0"/>
+              <a:t> People </a:t>
+            </a:r>
+            <a:r>
+              <a:rPr lang="de-CH" dirty="0" err="1" smtClean="0"/>
+              <a:t>can</a:t>
+            </a:r>
+            <a:r>
+              <a:rPr lang="de-CH" dirty="0" smtClean="0"/>
+              <a:t> </a:t>
+            </a:r>
+            <a:r>
+              <a:rPr lang="de-CH" dirty="0" err="1" smtClean="0"/>
+              <a:t>work</a:t>
+            </a:r>
+            <a:r>
+              <a:rPr lang="de-CH" dirty="0" smtClean="0"/>
+              <a:t> on </a:t>
+            </a:r>
+            <a:r>
+              <a:rPr lang="de-CH" dirty="0" err="1" smtClean="0"/>
+              <a:t>the</a:t>
+            </a:r>
+            <a:r>
+              <a:rPr lang="de-CH" dirty="0" smtClean="0"/>
+              <a:t> same </a:t>
+            </a:r>
+            <a:r>
+              <a:rPr lang="de-CH" dirty="0" err="1" smtClean="0"/>
+              <a:t>project</a:t>
+            </a:r>
+            <a:r>
+              <a:rPr lang="de-CH" dirty="0" smtClean="0"/>
+              <a:t>.</a:t>
+            </a:r>
+            <a:r>
+              <a:rPr lang="de-CH" baseline="0" dirty="0" smtClean="0"/>
+              <a:t/>
+            </a:r>
+            <a:br>
+              <a:rPr lang="de-CH" baseline="0" dirty="0" smtClean="0"/>
+            </a:br>
+            <a:r>
+              <a:rPr lang="de-CH" baseline="0" dirty="0" smtClean="0"/>
+              <a:t>-Backup </a:t>
+            </a:r>
+            <a:r>
+              <a:rPr lang="de-CH" baseline="0" dirty="0" err="1" smtClean="0"/>
+              <a:t>with</a:t>
+            </a:r>
+            <a:r>
+              <a:rPr lang="de-CH" baseline="0" dirty="0" smtClean="0"/>
+              <a:t> </a:t>
+            </a:r>
+            <a:r>
+              <a:rPr lang="de-CH" baseline="0" dirty="0" err="1" smtClean="0"/>
+              <a:t>datalog</a:t>
+            </a:r>
+            <a:r>
+              <a:rPr lang="de-CH" baseline="0" dirty="0" smtClean="0"/>
+              <a:t> </a:t>
+            </a:r>
+            <a:r>
+              <a:rPr lang="de-CH" baseline="0" dirty="0" err="1" smtClean="0"/>
+              <a:t>available</a:t>
+            </a:r>
+            <a:endParaRPr lang="de-CH" baseline="0" dirty="0" smtClean="0"/>
+          </a:p>
+          <a:p>
+            <a:endParaRPr lang="de-CH" baseline="0" dirty="0" smtClean="0"/>
+          </a:p>
+          <a:p>
+            <a:r>
+              <a:rPr lang="de-CH" baseline="0" dirty="0" smtClean="0"/>
+              <a:t>-</a:t>
+            </a:r>
+            <a:r>
+              <a:rPr lang="de-CH" baseline="0" dirty="0" err="1" smtClean="0"/>
+              <a:t>Because</a:t>
+            </a:r>
+            <a:r>
+              <a:rPr lang="de-CH" baseline="0" dirty="0" smtClean="0"/>
+              <a:t> via </a:t>
+            </a:r>
+            <a:r>
+              <a:rPr lang="de-CH" baseline="0" dirty="0" err="1" smtClean="0"/>
+              <a:t>the</a:t>
+            </a:r>
+            <a:r>
+              <a:rPr lang="de-CH" baseline="0" dirty="0" smtClean="0"/>
+              <a:t> KL25USB </a:t>
+            </a:r>
+            <a:r>
+              <a:rPr lang="de-CH" baseline="0" dirty="0" err="1" smtClean="0"/>
+              <a:t>it’s</a:t>
+            </a:r>
+            <a:r>
+              <a:rPr lang="de-CH" baseline="0" dirty="0" smtClean="0"/>
+              <a:t> not </a:t>
+            </a:r>
+            <a:r>
+              <a:rPr lang="de-CH" baseline="0" dirty="0" err="1" smtClean="0"/>
+              <a:t>possible</a:t>
+            </a:r>
+            <a:r>
+              <a:rPr lang="de-CH" baseline="0" dirty="0" smtClean="0"/>
+              <a:t> </a:t>
+            </a:r>
+            <a:r>
+              <a:rPr lang="de-CH" baseline="0" dirty="0" err="1" smtClean="0"/>
+              <a:t>to</a:t>
+            </a:r>
+            <a:r>
+              <a:rPr lang="de-CH" baseline="0" dirty="0" smtClean="0"/>
+              <a:t> </a:t>
+            </a:r>
+            <a:r>
+              <a:rPr lang="de-CH" baseline="0" dirty="0" err="1" smtClean="0"/>
+              <a:t>debug</a:t>
+            </a:r>
+            <a:endParaRPr lang="de-CH" baseline="0" dirty="0" smtClean="0"/>
+          </a:p>
+          <a:p>
+            <a:endParaRPr lang="de-CH" baseline="0" dirty="0" smtClean="0"/>
+          </a:p>
+          <a:p>
+            <a:r>
+              <a:rPr lang="de-CH" baseline="0" dirty="0" smtClean="0"/>
+              <a:t>-</a:t>
+            </a:r>
+            <a:r>
+              <a:rPr lang="de-CH" baseline="0" dirty="0" err="1" smtClean="0"/>
+              <a:t>Because</a:t>
+            </a:r>
+            <a:r>
+              <a:rPr lang="de-CH" baseline="0" dirty="0" smtClean="0"/>
+              <a:t> </a:t>
+            </a:r>
+            <a:r>
+              <a:rPr lang="de-CH" baseline="0" dirty="0" err="1" smtClean="0"/>
+              <a:t>it’s</a:t>
+            </a:r>
+            <a:r>
+              <a:rPr lang="de-CH" baseline="0" dirty="0" smtClean="0"/>
+              <a:t> not </a:t>
+            </a:r>
+            <a:r>
+              <a:rPr lang="de-CH" baseline="0" dirty="0" err="1" smtClean="0"/>
+              <a:t>compatible</a:t>
+            </a:r>
+            <a:r>
+              <a:rPr lang="de-CH" baseline="0" dirty="0" smtClean="0"/>
+              <a:t> </a:t>
+            </a:r>
+            <a:r>
+              <a:rPr lang="de-CH" baseline="0" dirty="0" err="1" smtClean="0"/>
+              <a:t>with</a:t>
+            </a:r>
+            <a:r>
+              <a:rPr lang="de-CH" baseline="0" dirty="0" smtClean="0"/>
+              <a:t> win8.x </a:t>
+            </a:r>
+            <a:r>
+              <a:rPr lang="de-CH" baseline="0" dirty="0" err="1" smtClean="0"/>
+              <a:t>or</a:t>
+            </a:r>
+            <a:r>
+              <a:rPr lang="de-CH" baseline="0" dirty="0" smtClean="0"/>
+              <a:t> </a:t>
+            </a:r>
+            <a:r>
+              <a:rPr lang="de-CH" baseline="0" dirty="0" err="1" smtClean="0"/>
+              <a:t>later</a:t>
+            </a:r>
+            <a:r>
+              <a:rPr lang="de-CH" baseline="0" dirty="0" smtClean="0"/>
+              <a:t> </a:t>
+            </a:r>
+            <a:r>
+              <a:rPr lang="de-CH" baseline="0" dirty="0" err="1" smtClean="0"/>
+              <a:t>systems</a:t>
+            </a:r>
+            <a:endParaRPr lang="de-CH" baseline="0" dirty="0" smtClean="0"/>
+          </a:p>
+          <a:p>
+            <a:endParaRPr lang="de-CH" baseline="0" dirty="0" smtClean="0"/>
+          </a:p>
+          <a:p>
+            <a:r>
+              <a:rPr lang="de-CH" baseline="0" dirty="0" err="1" smtClean="0"/>
+              <a:t>Recap</a:t>
+            </a:r>
+            <a:r>
+              <a:rPr lang="de-CH" baseline="0" dirty="0" smtClean="0"/>
+              <a:t>, </a:t>
+            </a:r>
+            <a:r>
+              <a:rPr lang="de-CH" baseline="0" dirty="0" err="1" smtClean="0"/>
+              <a:t>Lessons</a:t>
+            </a:r>
+            <a:r>
+              <a:rPr lang="de-CH" baseline="0" dirty="0" smtClean="0"/>
+              <a:t> </a:t>
+            </a:r>
+            <a:r>
+              <a:rPr lang="de-CH" baseline="0" dirty="0" err="1" smtClean="0"/>
+              <a:t>Learned</a:t>
+            </a:r>
+            <a:r>
+              <a:rPr lang="de-CH" baseline="0" dirty="0" smtClean="0"/>
+              <a:t>, </a:t>
+            </a:r>
+            <a:r>
+              <a:rPr lang="de-CH" baseline="0" dirty="0" err="1" smtClean="0"/>
+              <a:t>solve</a:t>
+            </a:r>
+            <a:r>
+              <a:rPr lang="de-CH" baseline="0" dirty="0" smtClean="0"/>
+              <a:t> </a:t>
+            </a:r>
+            <a:r>
+              <a:rPr lang="de-CH" baseline="0" dirty="0" err="1" smtClean="0"/>
+              <a:t>the</a:t>
+            </a:r>
+            <a:r>
+              <a:rPr lang="de-CH" baseline="0" dirty="0" smtClean="0"/>
+              <a:t> </a:t>
+            </a:r>
+            <a:r>
+              <a:rPr lang="de-CH" baseline="0" dirty="0" err="1" smtClean="0"/>
+              <a:t>maze</a:t>
+            </a:r>
+            <a:r>
+              <a:rPr lang="de-CH" baseline="0" dirty="0" smtClean="0"/>
+              <a:t> </a:t>
+            </a:r>
+            <a:r>
+              <a:rPr lang="de-CH" baseline="0" dirty="0" err="1" smtClean="0"/>
+              <a:t>with</a:t>
+            </a:r>
+            <a:r>
+              <a:rPr lang="de-CH" baseline="0" dirty="0" smtClean="0"/>
+              <a:t> </a:t>
+            </a:r>
+            <a:r>
+              <a:rPr lang="de-CH" baseline="0" dirty="0" err="1" smtClean="0"/>
+              <a:t>the</a:t>
+            </a:r>
+            <a:r>
+              <a:rPr lang="de-CH" baseline="0" dirty="0" smtClean="0"/>
+              <a:t> bot in </a:t>
+            </a:r>
+            <a:r>
+              <a:rPr lang="de-CH" baseline="0" smtClean="0"/>
+              <a:t>competition</a:t>
+            </a:r>
             <a:endParaRPr lang="de-CH" baseline="0" dirty="0" smtClean="0"/>
           </a:p>
         </p:txBody>
@@ -5126,8 +5400,9 @@
           <a:p>
             <a:r>
               <a:rPr lang="de-CH" dirty="0" smtClean="0"/>
-              <a:t>Fabian, Ueli</a:t>
-            </a:r>
+              <a:t>Fabian Niederberger, Ueli Leber</a:t>
+            </a:r>
+            <a:endParaRPr lang="de-CH" dirty="0" smtClean="0"/>
           </a:p>
           <a:p>
             <a:endParaRPr lang="de-CH" dirty="0" smtClean="0"/>
@@ -7965,10 +8240,326 @@
         </p:spPr>
         <p:txBody>
           <a:bodyPr>
-            <a:normAutofit/>
+            <a:normAutofit lnSpcReduction="10000"/>
           </a:bodyPr>
           <a:lstStyle/>
           <a:p>
+            <a:r>
+              <a:rPr lang="de-CH" dirty="0" err="1" smtClean="0"/>
+              <a:t>What</a:t>
+            </a:r>
+            <a:r>
+              <a:rPr lang="de-CH" dirty="0" smtClean="0"/>
+              <a:t> </a:t>
+            </a:r>
+            <a:r>
+              <a:rPr lang="de-CH" dirty="0" err="1" smtClean="0"/>
+              <a:t>meaning</a:t>
+            </a:r>
+            <a:r>
+              <a:rPr lang="de-CH" dirty="0" smtClean="0"/>
+              <a:t> </a:t>
+            </a:r>
+            <a:r>
+              <a:rPr lang="de-CH" dirty="0" err="1" smtClean="0"/>
+              <a:t>have</a:t>
+            </a:r>
+            <a:r>
+              <a:rPr lang="de-CH" dirty="0" smtClean="0"/>
+              <a:t> </a:t>
+            </a:r>
+            <a:r>
+              <a:rPr lang="de-CH" dirty="0" err="1" smtClean="0"/>
+              <a:t>the</a:t>
+            </a:r>
+            <a:r>
+              <a:rPr lang="de-CH" dirty="0" smtClean="0"/>
+              <a:t> </a:t>
+            </a:r>
+            <a:r>
+              <a:rPr lang="de-CH" dirty="0" err="1" smtClean="0"/>
+              <a:t>letters</a:t>
+            </a:r>
+            <a:r>
+              <a:rPr lang="de-CH" dirty="0" smtClean="0"/>
+              <a:t> VCS?</a:t>
+            </a:r>
+          </a:p>
+          <a:p>
+            <a:endParaRPr lang="de-CH" dirty="0" smtClean="0"/>
+          </a:p>
+          <a:p>
+            <a:r>
+              <a:rPr lang="de-CH" dirty="0" err="1" smtClean="0"/>
+              <a:t>What</a:t>
+            </a:r>
+            <a:r>
+              <a:rPr lang="de-CH" dirty="0" smtClean="0"/>
+              <a:t> </a:t>
+            </a:r>
+            <a:r>
+              <a:rPr lang="de-CH" dirty="0" err="1" smtClean="0"/>
+              <a:t>are</a:t>
+            </a:r>
+            <a:r>
+              <a:rPr lang="de-CH" dirty="0" smtClean="0"/>
+              <a:t> </a:t>
+            </a:r>
+            <a:r>
+              <a:rPr lang="de-CH" dirty="0" err="1" smtClean="0"/>
+              <a:t>the</a:t>
+            </a:r>
+            <a:r>
+              <a:rPr lang="de-CH" dirty="0" smtClean="0"/>
+              <a:t> </a:t>
+            </a:r>
+            <a:r>
+              <a:rPr lang="de-CH" dirty="0" err="1" smtClean="0"/>
+              <a:t>advantages</a:t>
+            </a:r>
+            <a:r>
+              <a:rPr lang="de-CH" dirty="0" smtClean="0"/>
+              <a:t> </a:t>
+            </a:r>
+            <a:r>
+              <a:rPr lang="de-CH" dirty="0" err="1" smtClean="0"/>
+              <a:t>of</a:t>
+            </a:r>
+            <a:r>
+              <a:rPr lang="de-CH" dirty="0" smtClean="0"/>
+              <a:t> a VCS?</a:t>
+            </a:r>
+          </a:p>
+          <a:p>
+            <a:endParaRPr lang="de-CH" dirty="0"/>
+          </a:p>
+          <a:p>
+            <a:r>
+              <a:rPr lang="de-CH" dirty="0" err="1"/>
+              <a:t>W</a:t>
+            </a:r>
+            <a:r>
+              <a:rPr lang="de-CH" dirty="0" err="1" smtClean="0"/>
+              <a:t>e</a:t>
+            </a:r>
+            <a:r>
+              <a:rPr lang="de-CH" dirty="0" smtClean="0"/>
+              <a:t> </a:t>
+            </a:r>
+            <a:r>
+              <a:rPr lang="de-CH" dirty="0" err="1" smtClean="0"/>
+              <a:t>are</a:t>
+            </a:r>
+            <a:r>
+              <a:rPr lang="de-CH" dirty="0" smtClean="0"/>
+              <a:t> not </a:t>
+            </a:r>
+            <a:r>
+              <a:rPr lang="de-CH" dirty="0" err="1" smtClean="0"/>
+              <a:t>programing</a:t>
+            </a:r>
+            <a:r>
+              <a:rPr lang="de-CH" dirty="0" smtClean="0"/>
+              <a:t> </a:t>
+            </a:r>
+            <a:r>
+              <a:rPr lang="de-CH" dirty="0" err="1" smtClean="0"/>
+              <a:t>the</a:t>
+            </a:r>
+            <a:r>
+              <a:rPr lang="de-CH" dirty="0" smtClean="0"/>
+              <a:t> FRDM </a:t>
+            </a:r>
+            <a:r>
+              <a:rPr lang="de-CH" smtClean="0"/>
+              <a:t>Boardvia</a:t>
+            </a:r>
+            <a:r>
+              <a:rPr lang="de-CH" dirty="0" smtClean="0"/>
+              <a:t> KL25Z USB </a:t>
+            </a:r>
+            <a:r>
+              <a:rPr lang="de-CH" dirty="0" err="1" smtClean="0"/>
+              <a:t>instead</a:t>
+            </a:r>
+            <a:r>
+              <a:rPr lang="de-CH" dirty="0" smtClean="0"/>
+              <a:t> </a:t>
+            </a:r>
+            <a:r>
+              <a:rPr lang="de-CH" dirty="0" err="1" smtClean="0"/>
+              <a:t>we</a:t>
+            </a:r>
+            <a:r>
+              <a:rPr lang="de-CH" dirty="0" smtClean="0"/>
+              <a:t> </a:t>
+            </a:r>
+            <a:r>
+              <a:rPr lang="de-CH" dirty="0" err="1" smtClean="0"/>
+              <a:t>program</a:t>
+            </a:r>
+            <a:r>
+              <a:rPr lang="de-CH" dirty="0" smtClean="0"/>
+              <a:t> via </a:t>
+            </a:r>
+            <a:r>
+              <a:rPr lang="de-CH" dirty="0" err="1" smtClean="0"/>
+              <a:t>OpenSDA</a:t>
+            </a:r>
+            <a:r>
+              <a:rPr lang="de-CH" dirty="0" smtClean="0"/>
+              <a:t> USB. </a:t>
+            </a:r>
+            <a:r>
+              <a:rPr lang="de-CH" dirty="0" err="1" smtClean="0"/>
+              <a:t>Why</a:t>
+            </a:r>
+            <a:r>
+              <a:rPr lang="de-CH" dirty="0" smtClean="0"/>
+              <a:t>?</a:t>
+            </a:r>
+          </a:p>
+          <a:p>
+            <a:endParaRPr lang="de-CH" dirty="0"/>
+          </a:p>
+          <a:p>
+            <a:r>
+              <a:rPr lang="de-CH" dirty="0" smtClean="0"/>
+              <a:t>On </a:t>
+            </a:r>
+            <a:r>
+              <a:rPr lang="de-CH" dirty="0" err="1" smtClean="0"/>
+              <a:t>brand</a:t>
+            </a:r>
+            <a:r>
+              <a:rPr lang="de-CH" dirty="0" smtClean="0"/>
+              <a:t> </a:t>
+            </a:r>
+            <a:r>
+              <a:rPr lang="de-CH" dirty="0" err="1" smtClean="0"/>
+              <a:t>new</a:t>
+            </a:r>
+            <a:r>
+              <a:rPr lang="de-CH" dirty="0" smtClean="0"/>
+              <a:t> FRDM KL25Z </a:t>
+            </a:r>
+            <a:r>
+              <a:rPr lang="de-CH" dirty="0" err="1" smtClean="0"/>
+              <a:t>boards</a:t>
+            </a:r>
+            <a:r>
+              <a:rPr lang="de-CH" dirty="0" smtClean="0"/>
+              <a:t> </a:t>
+            </a:r>
+            <a:r>
+              <a:rPr lang="de-CH" dirty="0" err="1" smtClean="0"/>
+              <a:t>we</a:t>
+            </a:r>
+            <a:r>
+              <a:rPr lang="de-CH" dirty="0" smtClean="0"/>
+              <a:t> update </a:t>
+            </a:r>
+            <a:r>
+              <a:rPr lang="de-CH" dirty="0" err="1" smtClean="0"/>
+              <a:t>the</a:t>
+            </a:r>
+            <a:r>
+              <a:rPr lang="de-CH" dirty="0" smtClean="0"/>
+              <a:t> </a:t>
+            </a:r>
+            <a:r>
+              <a:rPr lang="de-CH" dirty="0" err="1" smtClean="0"/>
+              <a:t>bootloader</a:t>
+            </a:r>
+            <a:r>
+              <a:rPr lang="de-CH" dirty="0" smtClean="0"/>
+              <a:t>. </a:t>
+            </a:r>
+            <a:r>
+              <a:rPr lang="de-CH" dirty="0" err="1" smtClean="0"/>
+              <a:t>Why</a:t>
+            </a:r>
+            <a:r>
+              <a:rPr lang="de-CH" dirty="0" smtClean="0"/>
+              <a:t>?</a:t>
+            </a:r>
+          </a:p>
+          <a:p>
+            <a:endParaRPr lang="de-CH" dirty="0"/>
+          </a:p>
+          <a:p>
+            <a:r>
+              <a:rPr lang="de-CH" dirty="0" err="1" smtClean="0"/>
+              <a:t>What</a:t>
+            </a:r>
+            <a:r>
+              <a:rPr lang="de-CH" dirty="0" smtClean="0"/>
+              <a:t> </a:t>
+            </a:r>
+            <a:r>
+              <a:rPr lang="de-CH" dirty="0" err="1" smtClean="0"/>
+              <a:t>are</a:t>
+            </a:r>
+            <a:r>
+              <a:rPr lang="de-CH" dirty="0" smtClean="0"/>
+              <a:t> </a:t>
+            </a:r>
+            <a:r>
+              <a:rPr lang="de-CH" dirty="0" err="1" smtClean="0"/>
+              <a:t>the</a:t>
+            </a:r>
+            <a:r>
+              <a:rPr lang="de-CH" dirty="0" smtClean="0"/>
+              <a:t> </a:t>
+            </a:r>
+            <a:r>
+              <a:rPr lang="de-CH" dirty="0" err="1" smtClean="0"/>
+              <a:t>three</a:t>
+            </a:r>
+            <a:r>
+              <a:rPr lang="de-CH" dirty="0" smtClean="0"/>
+              <a:t> </a:t>
+            </a:r>
+            <a:r>
+              <a:rPr lang="de-CH" dirty="0" err="1" smtClean="0"/>
+              <a:t>testats</a:t>
+            </a:r>
+            <a:r>
+              <a:rPr lang="de-CH" dirty="0" smtClean="0"/>
+              <a:t> </a:t>
+            </a:r>
+            <a:r>
+              <a:rPr lang="de-CH" dirty="0" err="1" smtClean="0"/>
+              <a:t>you</a:t>
+            </a:r>
+            <a:r>
+              <a:rPr lang="de-CH" dirty="0" smtClean="0"/>
+              <a:t> </a:t>
+            </a:r>
+            <a:r>
+              <a:rPr lang="de-CH" dirty="0" err="1" smtClean="0"/>
+              <a:t>have</a:t>
+            </a:r>
+            <a:r>
+              <a:rPr lang="de-CH" dirty="0" smtClean="0"/>
+              <a:t> </a:t>
+            </a:r>
+            <a:r>
+              <a:rPr lang="de-CH" dirty="0" err="1" smtClean="0"/>
+              <a:t>to</a:t>
+            </a:r>
+            <a:r>
+              <a:rPr lang="de-CH" dirty="0" smtClean="0"/>
+              <a:t> </a:t>
+            </a:r>
+            <a:r>
+              <a:rPr lang="de-CH" dirty="0" err="1" smtClean="0"/>
+              <a:t>achieve</a:t>
+            </a:r>
+            <a:r>
+              <a:rPr lang="de-CH" dirty="0" smtClean="0"/>
+              <a:t>?</a:t>
+            </a:r>
             <a:endParaRPr lang="de-CH" dirty="0"/>
           </a:p>
         </p:txBody>

--- a/RECAP.pptx
+++ b/RECAP.pptx
@@ -203,7 +203,7 @@
           <a:p>
             <a:fld id="{6FE71BE7-4C99-4DEB-8863-3D09377381D9}" type="datetimeFigureOut">
               <a:rPr lang="de-CH" smtClean="0"/>
-              <a:t>28.02.2016</a:t>
+              <a:t>29.02.2016</a:t>
             </a:fld>
             <a:endParaRPr lang="de-CH"/>
           </a:p>
@@ -982,6 +982,57 @@
             <a:endParaRPr lang="de-CH" baseline="0" dirty="0" smtClean="0"/>
           </a:p>
           <a:p>
+            <a:r>
+              <a:rPr lang="de-CH" baseline="0" dirty="0" smtClean="0"/>
+              <a:t>Catch </a:t>
+            </a:r>
+            <a:r>
+              <a:rPr lang="de-CH" baseline="0" dirty="0" err="1" smtClean="0"/>
+              <a:t>the</a:t>
+            </a:r>
+            <a:r>
+              <a:rPr lang="de-CH" baseline="0" dirty="0" smtClean="0"/>
+              <a:t> </a:t>
+            </a:r>
+            <a:r>
+              <a:rPr lang="de-CH" baseline="0" dirty="0" err="1" smtClean="0"/>
+              <a:t>essence</a:t>
+            </a:r>
+            <a:r>
+              <a:rPr lang="de-CH" baseline="0" dirty="0" smtClean="0"/>
+              <a:t> </a:t>
+            </a:r>
+            <a:r>
+              <a:rPr lang="de-CH" baseline="0" dirty="0" err="1" smtClean="0"/>
+              <a:t>of</a:t>
+            </a:r>
+            <a:r>
+              <a:rPr lang="de-CH" baseline="0" dirty="0" smtClean="0"/>
+              <a:t> </a:t>
+            </a:r>
+            <a:r>
+              <a:rPr lang="de-CH" baseline="0" dirty="0" err="1" smtClean="0"/>
+              <a:t>the</a:t>
+            </a:r>
+            <a:r>
+              <a:rPr lang="de-CH" baseline="0" dirty="0" smtClean="0"/>
+              <a:t> last </a:t>
+            </a:r>
+            <a:r>
+              <a:rPr lang="de-CH" baseline="0" dirty="0" err="1" smtClean="0"/>
+              <a:t>weeks</a:t>
+            </a:r>
+            <a:r>
+              <a:rPr lang="de-CH" baseline="0" dirty="0" smtClean="0"/>
+              <a:t> </a:t>
+            </a:r>
+            <a:r>
+              <a:rPr lang="de-CH" baseline="0" dirty="0" err="1" smtClean="0"/>
+              <a:t>day</a:t>
+            </a:r>
+            <a:endParaRPr lang="de-CH" baseline="0" dirty="0" smtClean="0"/>
+          </a:p>
+          <a:p>
             <a:endParaRPr lang="de-CH" baseline="0" dirty="0" smtClean="0"/>
           </a:p>
           <a:p>
@@ -2441,7 +2492,7 @@
               <a:t> bot in </a:t>
             </a:r>
             <a:r>
-              <a:rPr lang="de-CH" baseline="0" smtClean="0"/>
+              <a:rPr lang="de-CH" baseline="0" dirty="0" err="1" smtClean="0"/>
               <a:t>competition</a:t>
             </a:r>
             <a:endParaRPr lang="de-CH" baseline="0" dirty="0" smtClean="0"/>
@@ -2615,7 +2666,7 @@
           <a:p>
             <a:fld id="{92046DD2-6AF1-4191-B932-4DBD3D729440}" type="datetime1">
               <a:rPr lang="de-CH" smtClean="0"/>
-              <a:t>28.02.2016</a:t>
+              <a:t>29.02.2016</a:t>
             </a:fld>
             <a:endParaRPr lang="de-CH"/>
           </a:p>
@@ -2785,7 +2836,7 @@
           <a:p>
             <a:fld id="{42AEE82A-C305-4690-86A9-BACD9257F23F}" type="datetime1">
               <a:rPr lang="de-CH" smtClean="0"/>
-              <a:t>28.02.2016</a:t>
+              <a:t>29.02.2016</a:t>
             </a:fld>
             <a:endParaRPr lang="de-CH"/>
           </a:p>
@@ -2965,7 +3016,7 @@
           <a:p>
             <a:fld id="{05ECC441-1BA2-4832-951C-631D5CB6EE4C}" type="datetime1">
               <a:rPr lang="de-CH" smtClean="0"/>
-              <a:t>28.02.2016</a:t>
+              <a:t>29.02.2016</a:t>
             </a:fld>
             <a:endParaRPr lang="de-CH"/>
           </a:p>
@@ -3135,7 +3186,7 @@
           <a:p>
             <a:fld id="{32BDFD8A-C517-402B-A437-A0DDE34B6FBB}" type="datetime1">
               <a:rPr lang="de-CH" smtClean="0"/>
-              <a:t>28.02.2016</a:t>
+              <a:t>29.02.2016</a:t>
             </a:fld>
             <a:endParaRPr lang="de-CH"/>
           </a:p>
@@ -3381,7 +3432,7 @@
           <a:p>
             <a:fld id="{7D786202-D71F-4A1E-8CBF-78C7B05AC921}" type="datetime1">
               <a:rPr lang="de-CH" smtClean="0"/>
-              <a:t>28.02.2016</a:t>
+              <a:t>29.02.2016</a:t>
             </a:fld>
             <a:endParaRPr lang="de-CH"/>
           </a:p>
@@ -3613,7 +3664,7 @@
           <a:p>
             <a:fld id="{637FCF64-3FF3-439A-8FCB-A5E45383D2B1}" type="datetime1">
               <a:rPr lang="de-CH" smtClean="0"/>
-              <a:t>28.02.2016</a:t>
+              <a:t>29.02.2016</a:t>
             </a:fld>
             <a:endParaRPr lang="de-CH"/>
           </a:p>
@@ -3980,7 +4031,7 @@
           <a:p>
             <a:fld id="{8296BCF7-D1E5-417E-9194-875E6992B97F}" type="datetime1">
               <a:rPr lang="de-CH" smtClean="0"/>
-              <a:t>28.02.2016</a:t>
+              <a:t>29.02.2016</a:t>
             </a:fld>
             <a:endParaRPr lang="de-CH"/>
           </a:p>
@@ -4098,7 +4149,7 @@
           <a:p>
             <a:fld id="{8306237E-EC11-4A07-A9BC-A689CB7191AF}" type="datetime1">
               <a:rPr lang="de-CH" smtClean="0"/>
-              <a:t>28.02.2016</a:t>
+              <a:t>29.02.2016</a:t>
             </a:fld>
             <a:endParaRPr lang="de-CH"/>
           </a:p>
@@ -4193,7 +4244,7 @@
           <a:p>
             <a:fld id="{605D3BA4-4C3F-4602-82B8-D8CEE9B080D0}" type="datetime1">
               <a:rPr lang="de-CH" smtClean="0"/>
-              <a:t>28.02.2016</a:t>
+              <a:t>29.02.2016</a:t>
             </a:fld>
             <a:endParaRPr lang="de-CH"/>
           </a:p>
@@ -4470,7 +4521,7 @@
           <a:p>
             <a:fld id="{596FEA77-A2B7-49D3-8763-AEA4396DBC63}" type="datetime1">
               <a:rPr lang="de-CH" smtClean="0"/>
-              <a:t>28.02.2016</a:t>
+              <a:t>29.02.2016</a:t>
             </a:fld>
             <a:endParaRPr lang="de-CH"/>
           </a:p>
@@ -4723,7 +4774,7 @@
           <a:p>
             <a:fld id="{6727ADC5-537D-46D5-8B89-CB37E076C264}" type="datetime1">
               <a:rPr lang="de-CH" smtClean="0"/>
-              <a:t>28.02.2016</a:t>
+              <a:t>29.02.2016</a:t>
             </a:fld>
             <a:endParaRPr lang="de-CH"/>
           </a:p>
@@ -4936,7 +4987,7 @@
           <a:p>
             <a:fld id="{897777AF-85FA-4E87-8A85-6180EBA535EF}" type="datetime1">
               <a:rPr lang="de-CH" smtClean="0"/>
-              <a:t>28.02.2016</a:t>
+              <a:t>29.02.2016</a:t>
             </a:fld>
             <a:endParaRPr lang="de-CH"/>
           </a:p>
@@ -5402,7 +5453,6 @@
               <a:rPr lang="de-CH" dirty="0" smtClean="0"/>
               <a:t>Fabian Niederberger, Ueli Leber</a:t>
             </a:r>
-            <a:endParaRPr lang="de-CH" dirty="0" smtClean="0"/>
           </a:p>
           <a:p>
             <a:endParaRPr lang="de-CH" dirty="0" smtClean="0"/>
@@ -8240,7 +8290,7 @@
         </p:spPr>
         <p:txBody>
           <a:bodyPr>
-            <a:normAutofit lnSpcReduction="10000"/>
+            <a:normAutofit fontScale="92500" lnSpcReduction="20000"/>
           </a:bodyPr>
           <a:lstStyle/>
           <a:p>
@@ -8286,7 +8336,19 @@
             </a:r>
           </a:p>
           <a:p>
-            <a:endParaRPr lang="de-CH" dirty="0" smtClean="0"/>
+            <a:r>
+              <a:rPr lang="de-CH" dirty="0" smtClean="0">
+                <a:solidFill>
+                  <a:srgbClr val="FF0000"/>
+                </a:solidFill>
+              </a:rPr>
+              <a:t>Version Control System</a:t>
+            </a:r>
+            <a:endParaRPr lang="de-CH" dirty="0" smtClean="0">
+              <a:solidFill>
+                <a:srgbClr val="FF0000"/>
+              </a:solidFill>
+            </a:endParaRPr>
           </a:p>
           <a:p>
             <a:r>
@@ -8331,7 +8393,99 @@
             </a:r>
           </a:p>
           <a:p>
-            <a:endParaRPr lang="de-CH" dirty="0"/>
+            <a:r>
+              <a:rPr lang="de-CH" dirty="0" err="1" smtClean="0">
+                <a:solidFill>
+                  <a:srgbClr val="FF0000"/>
+                </a:solidFill>
+              </a:rPr>
+              <a:t>Several</a:t>
+            </a:r>
+            <a:r>
+              <a:rPr lang="de-CH" dirty="0" smtClean="0">
+                <a:solidFill>
+                  <a:srgbClr val="FF0000"/>
+                </a:solidFill>
+              </a:rPr>
+              <a:t> People </a:t>
+            </a:r>
+            <a:r>
+              <a:rPr lang="de-CH" dirty="0" err="1" smtClean="0">
+                <a:solidFill>
+                  <a:srgbClr val="FF0000"/>
+                </a:solidFill>
+              </a:rPr>
+              <a:t>can</a:t>
+            </a:r>
+            <a:r>
+              <a:rPr lang="de-CH" dirty="0" smtClean="0">
+                <a:solidFill>
+                  <a:srgbClr val="FF0000"/>
+                </a:solidFill>
+              </a:rPr>
+              <a:t> </a:t>
+            </a:r>
+            <a:r>
+              <a:rPr lang="de-CH" dirty="0" err="1" smtClean="0">
+                <a:solidFill>
+                  <a:srgbClr val="FF0000"/>
+                </a:solidFill>
+              </a:rPr>
+              <a:t>work</a:t>
+            </a:r>
+            <a:r>
+              <a:rPr lang="de-CH" dirty="0" smtClean="0">
+                <a:solidFill>
+                  <a:srgbClr val="FF0000"/>
+                </a:solidFill>
+              </a:rPr>
+              <a:t> on same </a:t>
+            </a:r>
+            <a:r>
+              <a:rPr lang="de-CH" dirty="0" err="1" smtClean="0">
+                <a:solidFill>
+                  <a:srgbClr val="FF0000"/>
+                </a:solidFill>
+              </a:rPr>
+              <a:t>project</a:t>
+            </a:r>
+            <a:r>
+              <a:rPr lang="de-CH" dirty="0" smtClean="0">
+                <a:solidFill>
+                  <a:srgbClr val="FF0000"/>
+                </a:solidFill>
+              </a:rPr>
+              <a:t>, Backup </a:t>
+            </a:r>
+            <a:r>
+              <a:rPr lang="de-CH" dirty="0" err="1" smtClean="0">
+                <a:solidFill>
+                  <a:srgbClr val="FF0000"/>
+                </a:solidFill>
+              </a:rPr>
+              <a:t>and</a:t>
+            </a:r>
+            <a:r>
+              <a:rPr lang="de-CH" dirty="0" smtClean="0">
+                <a:solidFill>
+                  <a:srgbClr val="FF0000"/>
+                </a:solidFill>
+              </a:rPr>
+              <a:t> </a:t>
+            </a:r>
+            <a:r>
+              <a:rPr lang="de-CH" dirty="0" err="1" smtClean="0">
+                <a:solidFill>
+                  <a:srgbClr val="FF0000"/>
+                </a:solidFill>
+              </a:rPr>
+              <a:t>datalog</a:t>
+            </a:r>
+            <a:endParaRPr lang="de-CH" dirty="0">
+              <a:solidFill>
+                <a:srgbClr val="FF0000"/>
+              </a:solidFill>
+            </a:endParaRPr>
           </a:p>
           <a:p>
             <a:r>
@@ -8368,15 +8522,7 @@
             </a:r>
             <a:r>
               <a:rPr lang="de-CH" dirty="0" smtClean="0"/>
-              <a:t> FRDM </a:t>
-            </a:r>
-            <a:r>
-              <a:rPr lang="de-CH" smtClean="0"/>
-              <a:t>Boardvia</a:t>
-            </a:r>
-            <a:r>
-              <a:rPr lang="de-CH" dirty="0" smtClean="0"/>
-              <a:t> KL25Z USB </a:t>
+              <a:t> FRDM Board via KL25Z USB, </a:t>
             </a:r>
             <a:r>
               <a:rPr lang="de-CH" dirty="0" err="1" smtClean="0"/>
@@ -8420,7 +8566,99 @@
             </a:r>
           </a:p>
           <a:p>
-            <a:endParaRPr lang="de-CH" dirty="0"/>
+            <a:r>
+              <a:rPr lang="de-CH" dirty="0" err="1" smtClean="0">
+                <a:solidFill>
+                  <a:srgbClr val="FF0000"/>
+                </a:solidFill>
+              </a:rPr>
+              <a:t>Because</a:t>
+            </a:r>
+            <a:r>
+              <a:rPr lang="de-CH" dirty="0" smtClean="0">
+                <a:solidFill>
+                  <a:srgbClr val="FF0000"/>
+                </a:solidFill>
+              </a:rPr>
+              <a:t> via </a:t>
+            </a:r>
+            <a:r>
+              <a:rPr lang="de-CH" dirty="0" err="1" smtClean="0">
+                <a:solidFill>
+                  <a:srgbClr val="FF0000"/>
+                </a:solidFill>
+              </a:rPr>
+              <a:t>the</a:t>
+            </a:r>
+            <a:r>
+              <a:rPr lang="de-CH" dirty="0" smtClean="0">
+                <a:solidFill>
+                  <a:srgbClr val="FF0000"/>
+                </a:solidFill>
+              </a:rPr>
+              <a:t> KL25Z USB </a:t>
+            </a:r>
+            <a:r>
+              <a:rPr lang="de-CH" dirty="0" err="1" smtClean="0">
+                <a:solidFill>
+                  <a:srgbClr val="FF0000"/>
+                </a:solidFill>
+              </a:rPr>
+              <a:t>it’s</a:t>
+            </a:r>
+            <a:r>
+              <a:rPr lang="de-CH" dirty="0" smtClean="0">
+                <a:solidFill>
+                  <a:srgbClr val="FF0000"/>
+                </a:solidFill>
+              </a:rPr>
+              <a:t> not </a:t>
+            </a:r>
+            <a:r>
+              <a:rPr lang="de-CH" dirty="0" err="1" smtClean="0">
+                <a:solidFill>
+                  <a:srgbClr val="FF0000"/>
+                </a:solidFill>
+              </a:rPr>
+              <a:t>possible</a:t>
+            </a:r>
+            <a:r>
+              <a:rPr lang="de-CH" dirty="0" smtClean="0">
+                <a:solidFill>
+                  <a:srgbClr val="FF0000"/>
+                </a:solidFill>
+              </a:rPr>
+              <a:t> </a:t>
+            </a:r>
+            <a:r>
+              <a:rPr lang="de-CH" dirty="0" err="1" smtClean="0">
+                <a:solidFill>
+                  <a:srgbClr val="FF0000"/>
+                </a:solidFill>
+              </a:rPr>
+              <a:t>to</a:t>
+            </a:r>
+            <a:r>
+              <a:rPr lang="de-CH" dirty="0" smtClean="0">
+                <a:solidFill>
+                  <a:srgbClr val="FF0000"/>
+                </a:solidFill>
+              </a:rPr>
+              <a:t> </a:t>
+            </a:r>
+            <a:r>
+              <a:rPr lang="de-CH" dirty="0" err="1" smtClean="0">
+                <a:solidFill>
+                  <a:srgbClr val="FF0000"/>
+                </a:solidFill>
+              </a:rPr>
+              <a:t>debug</a:t>
+            </a:r>
+            <a:endParaRPr lang="de-CH" dirty="0">
+              <a:solidFill>
+                <a:srgbClr val="FF0000"/>
+              </a:solidFill>
+            </a:endParaRPr>
           </a:p>
           <a:p>
             <a:r>
@@ -8485,7 +8723,115 @@
             </a:r>
           </a:p>
           <a:p>
-            <a:endParaRPr lang="de-CH" dirty="0"/>
+            <a:r>
+              <a:rPr lang="de-CH" dirty="0" err="1" smtClean="0">
+                <a:solidFill>
+                  <a:srgbClr val="FF0000"/>
+                </a:solidFill>
+              </a:rPr>
+              <a:t>Because</a:t>
+            </a:r>
+            <a:r>
+              <a:rPr lang="de-CH" dirty="0" smtClean="0">
+                <a:solidFill>
+                  <a:srgbClr val="FF0000"/>
+                </a:solidFill>
+              </a:rPr>
+              <a:t> </a:t>
+            </a:r>
+            <a:r>
+              <a:rPr lang="de-CH" dirty="0" err="1" smtClean="0">
+                <a:solidFill>
+                  <a:srgbClr val="FF0000"/>
+                </a:solidFill>
+              </a:rPr>
+              <a:t>it</a:t>
+            </a:r>
+            <a:r>
+              <a:rPr lang="de-CH" dirty="0" smtClean="0">
+                <a:solidFill>
+                  <a:srgbClr val="FF0000"/>
+                </a:solidFill>
+              </a:rPr>
+              <a:t> </a:t>
+            </a:r>
+            <a:r>
+              <a:rPr lang="de-CH" dirty="0" err="1" smtClean="0">
+                <a:solidFill>
+                  <a:srgbClr val="FF0000"/>
+                </a:solidFill>
+              </a:rPr>
+              <a:t>does</a:t>
+            </a:r>
+            <a:r>
+              <a:rPr lang="de-CH" dirty="0" smtClean="0">
+                <a:solidFill>
+                  <a:srgbClr val="FF0000"/>
+                </a:solidFill>
+              </a:rPr>
+              <a:t> not </a:t>
+            </a:r>
+            <a:r>
+              <a:rPr lang="de-CH" dirty="0" err="1" smtClean="0">
+                <a:solidFill>
+                  <a:srgbClr val="FF0000"/>
+                </a:solidFill>
+              </a:rPr>
+              <a:t>support</a:t>
+            </a:r>
+            <a:r>
+              <a:rPr lang="de-CH" dirty="0" smtClean="0">
+                <a:solidFill>
+                  <a:srgbClr val="FF0000"/>
+                </a:solidFill>
+              </a:rPr>
+              <a:t> win8, 10 </a:t>
+            </a:r>
+            <a:r>
+              <a:rPr lang="de-CH" dirty="0" err="1" smtClean="0">
+                <a:solidFill>
+                  <a:srgbClr val="FF0000"/>
+                </a:solidFill>
+              </a:rPr>
+              <a:t>or</a:t>
+            </a:r>
+            <a:r>
+              <a:rPr lang="de-CH" dirty="0" smtClean="0">
+                <a:solidFill>
+                  <a:srgbClr val="FF0000"/>
+                </a:solidFill>
+              </a:rPr>
+              <a:t> </a:t>
+            </a:r>
+            <a:r>
+              <a:rPr lang="de-CH" dirty="0" err="1" smtClean="0">
+                <a:solidFill>
+                  <a:srgbClr val="FF0000"/>
+                </a:solidFill>
+              </a:rPr>
+              <a:t>mac</a:t>
+            </a:r>
+            <a:r>
+              <a:rPr lang="de-CH" dirty="0" smtClean="0">
+                <a:solidFill>
+                  <a:srgbClr val="FF0000"/>
+                </a:solidFill>
+              </a:rPr>
+              <a:t> </a:t>
+            </a:r>
+            <a:r>
+              <a:rPr lang="de-CH" dirty="0" err="1" smtClean="0">
+                <a:solidFill>
+                  <a:srgbClr val="FF0000"/>
+                </a:solidFill>
+              </a:rPr>
+              <a:t>os</a:t>
+            </a:r>
+            <a:endParaRPr lang="de-CH" dirty="0">
+              <a:solidFill>
+                <a:srgbClr val="FF0000"/>
+              </a:solidFill>
+            </a:endParaRPr>
           </a:p>
           <a:p>
             <a:r>
@@ -8560,7 +8906,133 @@
               <a:rPr lang="de-CH" dirty="0" smtClean="0"/>
               <a:t>?</a:t>
             </a:r>
-            <a:endParaRPr lang="de-CH" dirty="0"/>
+          </a:p>
+          <a:p>
+            <a:r>
+              <a:rPr lang="de-CH" dirty="0" err="1" smtClean="0">
+                <a:solidFill>
+                  <a:srgbClr val="FF0000"/>
+                </a:solidFill>
+              </a:rPr>
+              <a:t>Recap</a:t>
+            </a:r>
+            <a:r>
+              <a:rPr lang="de-CH" dirty="0" smtClean="0">
+                <a:solidFill>
+                  <a:srgbClr val="FF0000"/>
+                </a:solidFill>
+              </a:rPr>
+              <a:t>, </a:t>
+            </a:r>
+            <a:r>
+              <a:rPr lang="de-CH" dirty="0" err="1" smtClean="0">
+                <a:solidFill>
+                  <a:srgbClr val="FF0000"/>
+                </a:solidFill>
+              </a:rPr>
+              <a:t>Lessons</a:t>
+            </a:r>
+            <a:r>
+              <a:rPr lang="de-CH" dirty="0" smtClean="0">
+                <a:solidFill>
+                  <a:srgbClr val="FF0000"/>
+                </a:solidFill>
+              </a:rPr>
+              <a:t> </a:t>
+            </a:r>
+            <a:r>
+              <a:rPr lang="de-CH" dirty="0" err="1" smtClean="0">
+                <a:solidFill>
+                  <a:srgbClr val="FF0000"/>
+                </a:solidFill>
+              </a:rPr>
+              <a:t>Learned</a:t>
+            </a:r>
+            <a:r>
+              <a:rPr lang="de-CH" dirty="0" smtClean="0">
+                <a:solidFill>
+                  <a:srgbClr val="FF0000"/>
+                </a:solidFill>
+              </a:rPr>
+              <a:t>, </a:t>
+            </a:r>
+            <a:r>
+              <a:rPr lang="de-CH" dirty="0" err="1" smtClean="0">
+                <a:solidFill>
+                  <a:srgbClr val="FF0000"/>
+                </a:solidFill>
+              </a:rPr>
+              <a:t>solve</a:t>
+            </a:r>
+            <a:r>
+              <a:rPr lang="de-CH" dirty="0" smtClean="0">
+                <a:solidFill>
+                  <a:srgbClr val="FF0000"/>
+                </a:solidFill>
+              </a:rPr>
+              <a:t> </a:t>
+            </a:r>
+            <a:r>
+              <a:rPr lang="de-CH" dirty="0" err="1" smtClean="0">
+                <a:solidFill>
+                  <a:srgbClr val="FF0000"/>
+                </a:solidFill>
+              </a:rPr>
+              <a:t>maze</a:t>
+            </a:r>
+            <a:r>
+              <a:rPr lang="de-CH" dirty="0" smtClean="0">
+                <a:solidFill>
+                  <a:srgbClr val="FF0000"/>
+                </a:solidFill>
+              </a:rPr>
+              <a:t> on </a:t>
+            </a:r>
+            <a:r>
+              <a:rPr lang="de-CH" dirty="0" err="1" smtClean="0">
+                <a:solidFill>
+                  <a:srgbClr val="FF0000"/>
+                </a:solidFill>
+              </a:rPr>
+              <a:t>the</a:t>
+            </a:r>
+            <a:r>
+              <a:rPr lang="de-CH" dirty="0" smtClean="0">
+                <a:solidFill>
+                  <a:srgbClr val="FF0000"/>
+                </a:solidFill>
+              </a:rPr>
+              <a:t> </a:t>
+            </a:r>
+            <a:r>
+              <a:rPr lang="de-CH" dirty="0" err="1" smtClean="0">
+                <a:solidFill>
+                  <a:srgbClr val="FF0000"/>
+                </a:solidFill>
+              </a:rPr>
+              <a:t>robot</a:t>
+            </a:r>
+            <a:r>
+              <a:rPr lang="de-CH" dirty="0" smtClean="0">
+                <a:solidFill>
+                  <a:srgbClr val="FF0000"/>
+                </a:solidFill>
+              </a:rPr>
+              <a:t> </a:t>
+            </a:r>
+            <a:r>
+              <a:rPr lang="de-CH" dirty="0" err="1" smtClean="0">
+                <a:solidFill>
+                  <a:srgbClr val="FF0000"/>
+                </a:solidFill>
+              </a:rPr>
+              <a:t>challenge</a:t>
+            </a:r>
+            <a:endParaRPr lang="de-CH" dirty="0">
+              <a:solidFill>
+                <a:srgbClr val="FF0000"/>
+              </a:solidFill>
+            </a:endParaRPr>
           </a:p>
         </p:txBody>
       </p:sp>
